--- a/Konstruktionslehre/Dokumente/Zeichnung Kräfte.pptx
+++ b/Konstruktionslehre/Dokumente/Zeichnung Kräfte.pptx
@@ -3340,8 +3340,8 @@
         </p:nvSpPr>
         <p:spPr>
           <a:xfrm>
-            <a:off x="828675" y="2611993"/>
-            <a:ext cx="11049000" cy="369332"/>
+            <a:off x="2780522" y="2611993"/>
+            <a:ext cx="6988629" cy="369332"/>
           </a:xfrm>
           <a:prstGeom prst="rect">
             <a:avLst/>
@@ -3388,7 +3388,7 @@
         </p:nvCxnSpPr>
         <p:spPr>
           <a:xfrm>
-            <a:off x="828675" y="1110343"/>
+            <a:off x="2780522" y="1110343"/>
             <a:ext cx="0" cy="1501650"/>
           </a:xfrm>
           <a:prstGeom prst="straightConnector1">
@@ -3430,8 +3430,8 @@
         </p:nvCxnSpPr>
         <p:spPr>
           <a:xfrm flipV="1">
-            <a:off x="6353175" y="2981325"/>
-            <a:ext cx="0" cy="1309007"/>
+            <a:off x="6274837" y="2981325"/>
+            <a:ext cx="0" cy="1273434"/>
           </a:xfrm>
           <a:prstGeom prst="straightConnector1">
             <a:avLst/>
@@ -3469,7 +3469,7 @@
         </p:nvSpPr>
         <p:spPr>
           <a:xfrm>
-            <a:off x="828675" y="1580180"/>
+            <a:off x="2780522" y="1676502"/>
             <a:ext cx="662473" cy="369332"/>
           </a:xfrm>
           <a:prstGeom prst="rect">
@@ -3504,7 +3504,7 @@
         </p:nvSpPr>
         <p:spPr>
           <a:xfrm>
-            <a:off x="6353175" y="3429000"/>
+            <a:off x="6274836" y="3433376"/>
             <a:ext cx="662473" cy="369332"/>
           </a:xfrm>
           <a:prstGeom prst="rect">
@@ -3525,6 +3525,234 @@
           </a:p>
         </p:txBody>
       </p:sp>
+      <p:cxnSp>
+        <p:nvCxnSpPr>
+          <p:cNvPr id="11" name="Gerade Verbindung mit Pfeil 10">
+            <a:extLst>
+              <a:ext uri="{FF2B5EF4-FFF2-40B4-BE49-F238E27FC236}">
+                <a16:creationId xmlns:a16="http://schemas.microsoft.com/office/drawing/2014/main" id="{F2EBA9D8-5AC2-E5DE-D3C6-AED1A0A9D254}"/>
+              </a:ext>
+            </a:extLst>
+          </p:cNvPr>
+          <p:cNvCxnSpPr>
+            <a:cxnSpLocks/>
+            <a:endCxn id="4" idx="1"/>
+          </p:cNvCxnSpPr>
+          <p:nvPr/>
+        </p:nvCxnSpPr>
+        <p:spPr>
+          <a:xfrm>
+            <a:off x="1492898" y="2796659"/>
+            <a:ext cx="1287624" cy="0"/>
+          </a:xfrm>
+          <a:prstGeom prst="straightConnector1">
+            <a:avLst/>
+          </a:prstGeom>
+          <a:ln>
+            <a:tailEnd type="triangle"/>
+          </a:ln>
+        </p:spPr>
+        <p:style>
+          <a:lnRef idx="3">
+            <a:schemeClr val="accent2"/>
+          </a:lnRef>
+          <a:fillRef idx="0">
+            <a:schemeClr val="accent2"/>
+          </a:fillRef>
+          <a:effectRef idx="2">
+            <a:schemeClr val="accent2"/>
+          </a:effectRef>
+          <a:fontRef idx="minor">
+            <a:schemeClr val="tx1"/>
+          </a:fontRef>
+        </p:style>
+      </p:cxnSp>
+      <p:cxnSp>
+        <p:nvCxnSpPr>
+          <p:cNvPr id="15" name="Gerade Verbindung mit Pfeil 14">
+            <a:extLst>
+              <a:ext uri="{FF2B5EF4-FFF2-40B4-BE49-F238E27FC236}">
+                <a16:creationId xmlns:a16="http://schemas.microsoft.com/office/drawing/2014/main" id="{FB197BF2-5151-1278-425A-C46D0AEE645D}"/>
+              </a:ext>
+            </a:extLst>
+          </p:cNvPr>
+          <p:cNvCxnSpPr>
+            <a:cxnSpLocks/>
+            <a:endCxn id="4" idx="3"/>
+          </p:cNvCxnSpPr>
+          <p:nvPr/>
+        </p:nvCxnSpPr>
+        <p:spPr>
+          <a:xfrm flipH="1">
+            <a:off x="9769151" y="2796659"/>
+            <a:ext cx="1623527" cy="0"/>
+          </a:xfrm>
+          <a:prstGeom prst="straightConnector1">
+            <a:avLst/>
+          </a:prstGeom>
+          <a:ln>
+            <a:tailEnd type="triangle"/>
+          </a:ln>
+        </p:spPr>
+        <p:style>
+          <a:lnRef idx="3">
+            <a:schemeClr val="accent2"/>
+          </a:lnRef>
+          <a:fillRef idx="0">
+            <a:schemeClr val="accent2"/>
+          </a:fillRef>
+          <a:effectRef idx="2">
+            <a:schemeClr val="accent2"/>
+          </a:effectRef>
+          <a:fontRef idx="minor">
+            <a:schemeClr val="tx1"/>
+          </a:fontRef>
+        </p:style>
+      </p:cxnSp>
+      <p:sp>
+        <p:nvSpPr>
+          <p:cNvPr id="19" name="Textfeld 18">
+            <a:extLst>
+              <a:ext uri="{FF2B5EF4-FFF2-40B4-BE49-F238E27FC236}">
+                <a16:creationId xmlns:a16="http://schemas.microsoft.com/office/drawing/2014/main" id="{FDB2212B-EB96-4F03-6AD8-FEFC8B2714A6}"/>
+              </a:ext>
+            </a:extLst>
+          </p:cNvPr>
+          <p:cNvSpPr txBox="1"/>
+          <p:nvPr/>
+        </p:nvSpPr>
+        <p:spPr>
+          <a:xfrm>
+            <a:off x="1805474" y="2427327"/>
+            <a:ext cx="662473" cy="369332"/>
+          </a:xfrm>
+          <a:prstGeom prst="rect">
+            <a:avLst/>
+          </a:prstGeom>
+          <a:noFill/>
+        </p:spPr>
+        <p:txBody>
+          <a:bodyPr wrap="square" rtlCol="0">
+            <a:spAutoFit/>
+          </a:bodyPr>
+          <a:lstStyle/>
+          <a:p>
+            <a:r>
+              <a:rPr lang="de-DE" dirty="0"/>
+              <a:t>FL1</a:t>
+            </a:r>
+          </a:p>
+        </p:txBody>
+      </p:sp>
+      <p:sp>
+        <p:nvSpPr>
+          <p:cNvPr id="20" name="Textfeld 19">
+            <a:extLst>
+              <a:ext uri="{FF2B5EF4-FFF2-40B4-BE49-F238E27FC236}">
+                <a16:creationId xmlns:a16="http://schemas.microsoft.com/office/drawing/2014/main" id="{18D3A2E1-581D-B210-1BBC-3C791DBE8127}"/>
+              </a:ext>
+            </a:extLst>
+          </p:cNvPr>
+          <p:cNvSpPr txBox="1"/>
+          <p:nvPr/>
+        </p:nvSpPr>
+        <p:spPr>
+          <a:xfrm>
+            <a:off x="10367865" y="2427327"/>
+            <a:ext cx="662473" cy="369332"/>
+          </a:xfrm>
+          <a:prstGeom prst="rect">
+            <a:avLst/>
+          </a:prstGeom>
+          <a:noFill/>
+        </p:spPr>
+        <p:txBody>
+          <a:bodyPr wrap="square" rtlCol="0">
+            <a:spAutoFit/>
+          </a:bodyPr>
+          <a:lstStyle/>
+          <a:p>
+            <a:r>
+              <a:rPr lang="de-DE" dirty="0"/>
+              <a:t>FL2</a:t>
+            </a:r>
+          </a:p>
+        </p:txBody>
+      </p:sp>
+      <p:sp>
+        <p:nvSpPr>
+          <p:cNvPr id="21" name="Textfeld 20">
+            <a:extLst>
+              <a:ext uri="{FF2B5EF4-FFF2-40B4-BE49-F238E27FC236}">
+                <a16:creationId xmlns:a16="http://schemas.microsoft.com/office/drawing/2014/main" id="{8133ADCB-2718-1495-6350-48572B3ABB51}"/>
+              </a:ext>
+            </a:extLst>
+          </p:cNvPr>
+          <p:cNvSpPr txBox="1"/>
+          <p:nvPr/>
+        </p:nvSpPr>
+        <p:spPr>
+          <a:xfrm>
+            <a:off x="9937880" y="1971543"/>
+            <a:ext cx="528731" cy="369332"/>
+          </a:xfrm>
+          <a:prstGeom prst="rect">
+            <a:avLst/>
+          </a:prstGeom>
+          <a:noFill/>
+        </p:spPr>
+        <p:txBody>
+          <a:bodyPr wrap="square" rtlCol="0">
+            <a:spAutoFit/>
+          </a:bodyPr>
+          <a:lstStyle/>
+          <a:p>
+            <a:r>
+              <a:rPr lang="de-DE" dirty="0"/>
+              <a:t>x</a:t>
+            </a:r>
+          </a:p>
+        </p:txBody>
+      </p:sp>
+      <p:cxnSp>
+        <p:nvCxnSpPr>
+          <p:cNvPr id="23" name="Gerader Verbinder 22">
+            <a:extLst>
+              <a:ext uri="{FF2B5EF4-FFF2-40B4-BE49-F238E27FC236}">
+                <a16:creationId xmlns:a16="http://schemas.microsoft.com/office/drawing/2014/main" id="{821CAB87-2C75-EDC6-9B18-65AD3FB0DF37}"/>
+              </a:ext>
+            </a:extLst>
+          </p:cNvPr>
+          <p:cNvCxnSpPr>
+            <a:cxnSpLocks/>
+            <a:stCxn id="4" idx="3"/>
+          </p:cNvCxnSpPr>
+          <p:nvPr/>
+        </p:nvCxnSpPr>
+        <p:spPr>
+          <a:xfrm flipV="1">
+            <a:off x="9769151" y="2254422"/>
+            <a:ext cx="242596" cy="542237"/>
+          </a:xfrm>
+          <a:prstGeom prst="line">
+            <a:avLst/>
+          </a:prstGeom>
+        </p:spPr>
+        <p:style>
+          <a:lnRef idx="1">
+            <a:schemeClr val="dk1"/>
+          </a:lnRef>
+          <a:fillRef idx="0">
+            <a:schemeClr val="dk1"/>
+          </a:fillRef>
+          <a:effectRef idx="0">
+            <a:schemeClr val="dk1"/>
+          </a:effectRef>
+          <a:fontRef idx="minor">
+            <a:schemeClr val="tx1"/>
+          </a:fontRef>
+        </p:style>
+      </p:cxnSp>
     </p:spTree>
     <p:extLst>
       <p:ext uri="{BB962C8B-B14F-4D97-AF65-F5344CB8AC3E}">
